--- a/temp/Team Green Demo.pptx
+++ b/temp/Team Green Demo.pptx
@@ -109,6 +109,11 @@
       </a:defRPr>
     </a:lvl9pPr>
   </p:defaultTextStyle>
+  <p:extLst>
+    <p:ext uri="{EFAFB233-063F-42B5-8137-9DF3F51BA10A}">
+      <p15:sldGuideLst xmlns:p15="http://schemas.microsoft.com/office/powerpoint/2012/main"/>
+    </p:ext>
+  </p:extLst>
 </p:presentation>
 </file>
 
@@ -6050,13 +6055,11 @@
       </p:sp>
       <p:pic>
         <p:nvPicPr>
-          <p:cNvPr id="6" name="Content Placeholder 5"/>
+          <p:cNvPr id="4" name="Picture 3"/>
           <p:cNvPicPr>
-            <a:picLocks noGrp="1" noChangeAspect="1"/>
+            <a:picLocks noChangeAspect="1"/>
           </p:cNvPicPr>
-          <p:nvPr>
-            <p:ph idx="1"/>
-          </p:nvPr>
+          <p:nvPr/>
         </p:nvPicPr>
         <p:blipFill>
           <a:blip r:embed="rId2"/>
@@ -6066,8 +6069,8 @@
         </p:blipFill>
         <p:spPr>
           <a:xfrm>
-            <a:off x="690871" y="1383958"/>
-            <a:ext cx="7345582" cy="4658068"/>
+            <a:off x="441768" y="1143000"/>
+            <a:ext cx="8002537" cy="5043616"/>
           </a:xfrm>
           <a:prstGeom prst="rect">
             <a:avLst/>
